--- a/Kathambari Satheesh/NgRxppt.pptx
+++ b/Kathambari Satheesh/NgRxppt.pptx
@@ -248,7 +248,8 @@
           <a:p>
             <a:fld id="{C9CA1F5E-BA0B-43AC-8630-90DAD0A8C4FB}" type="datetimeFigureOut">
               <a:rPr lang="en-US" smtClean="0"/>
-              <a:t>4/2/2019</a:t>
+              <a:pPr/>
+              <a:t>4/3/2019</a:t>
             </a:fld>
             <a:endParaRPr lang="en-IN" dirty="0"/>
           </a:p>
@@ -294,6 +295,7 @@
           <a:p>
             <a:fld id="{EFA5B72C-9EEC-421C-AC3C-151BB4FAD0E0}" type="slidenum">
               <a:rPr lang="en-IN" smtClean="0"/>
+              <a:pPr/>
               <a:t>‹#›</a:t>
             </a:fld>
             <a:endParaRPr lang="en-IN" dirty="0"/>
@@ -561,7 +563,8 @@
           <a:p>
             <a:fld id="{C9CA1F5E-BA0B-43AC-8630-90DAD0A8C4FB}" type="datetimeFigureOut">
               <a:rPr lang="en-US" smtClean="0"/>
-              <a:t>4/2/2019</a:t>
+              <a:pPr/>
+              <a:t>4/3/2019</a:t>
             </a:fld>
             <a:endParaRPr lang="en-IN" dirty="0"/>
           </a:p>
@@ -607,6 +610,7 @@
           <a:p>
             <a:fld id="{EFA5B72C-9EEC-421C-AC3C-151BB4FAD0E0}" type="slidenum">
               <a:rPr lang="en-IN" smtClean="0"/>
+              <a:pPr/>
               <a:t>‹#›</a:t>
             </a:fld>
             <a:endParaRPr lang="en-IN" dirty="0"/>
@@ -746,7 +750,8 @@
           <a:p>
             <a:fld id="{C9CA1F5E-BA0B-43AC-8630-90DAD0A8C4FB}" type="datetimeFigureOut">
               <a:rPr lang="en-US" smtClean="0"/>
-              <a:t>4/2/2019</a:t>
+              <a:pPr/>
+              <a:t>4/3/2019</a:t>
             </a:fld>
             <a:endParaRPr lang="en-IN" dirty="0"/>
           </a:p>
@@ -792,6 +797,7 @@
           <a:p>
             <a:fld id="{EFA5B72C-9EEC-421C-AC3C-151BB4FAD0E0}" type="slidenum">
               <a:rPr lang="en-IN" smtClean="0"/>
+              <a:pPr/>
               <a:t>‹#›</a:t>
             </a:fld>
             <a:endParaRPr lang="en-IN" dirty="0"/>
@@ -921,7 +927,8 @@
           <a:p>
             <a:fld id="{C9CA1F5E-BA0B-43AC-8630-90DAD0A8C4FB}" type="datetimeFigureOut">
               <a:rPr lang="en-US" smtClean="0"/>
-              <a:t>4/2/2019</a:t>
+              <a:pPr/>
+              <a:t>4/3/2019</a:t>
             </a:fld>
             <a:endParaRPr lang="en-IN" dirty="0"/>
           </a:p>
@@ -967,6 +974,7 @@
           <a:p>
             <a:fld id="{EFA5B72C-9EEC-421C-AC3C-151BB4FAD0E0}" type="slidenum">
               <a:rPr lang="en-IN" smtClean="0"/>
+              <a:pPr/>
               <a:t>‹#›</a:t>
             </a:fld>
             <a:endParaRPr lang="en-IN" dirty="0"/>
@@ -1189,7 +1197,8 @@
           <a:p>
             <a:fld id="{C9CA1F5E-BA0B-43AC-8630-90DAD0A8C4FB}" type="datetimeFigureOut">
               <a:rPr lang="en-US" smtClean="0"/>
-              <a:t>4/2/2019</a:t>
+              <a:pPr/>
+              <a:t>4/3/2019</a:t>
             </a:fld>
             <a:endParaRPr lang="en-IN" dirty="0"/>
           </a:p>
@@ -1235,6 +1244,7 @@
           <a:p>
             <a:fld id="{EFA5B72C-9EEC-421C-AC3C-151BB4FAD0E0}" type="slidenum">
               <a:rPr lang="en-IN" smtClean="0"/>
+              <a:pPr/>
               <a:t>‹#›</a:t>
             </a:fld>
             <a:endParaRPr lang="en-IN" dirty="0"/>
@@ -1657,7 +1667,8 @@
           <a:p>
             <a:fld id="{C9CA1F5E-BA0B-43AC-8630-90DAD0A8C4FB}" type="datetimeFigureOut">
               <a:rPr lang="en-US" smtClean="0"/>
-              <a:t>4/2/2019</a:t>
+              <a:pPr/>
+              <a:t>4/3/2019</a:t>
             </a:fld>
             <a:endParaRPr lang="en-IN" dirty="0"/>
           </a:p>
@@ -1703,6 +1714,7 @@
           <a:p>
             <a:fld id="{EFA5B72C-9EEC-421C-AC3C-151BB4FAD0E0}" type="slidenum">
               <a:rPr lang="en-IN" smtClean="0"/>
+              <a:pPr/>
               <a:t>‹#›</a:t>
             </a:fld>
             <a:endParaRPr lang="en-IN" dirty="0"/>
@@ -2146,7 +2158,8 @@
           <a:p>
             <a:fld id="{C9CA1F5E-BA0B-43AC-8630-90DAD0A8C4FB}" type="datetimeFigureOut">
               <a:rPr lang="en-US" smtClean="0"/>
-              <a:t>4/2/2019</a:t>
+              <a:pPr/>
+              <a:t>4/3/2019</a:t>
             </a:fld>
             <a:endParaRPr lang="en-IN" dirty="0"/>
           </a:p>
@@ -2192,6 +2205,7 @@
           <a:p>
             <a:fld id="{EFA5B72C-9EEC-421C-AC3C-151BB4FAD0E0}" type="slidenum">
               <a:rPr lang="en-IN" smtClean="0"/>
+              <a:pPr/>
               <a:t>‹#›</a:t>
             </a:fld>
             <a:endParaRPr lang="en-IN" dirty="0"/>
@@ -2272,7 +2286,8 @@
           <a:p>
             <a:fld id="{C9CA1F5E-BA0B-43AC-8630-90DAD0A8C4FB}" type="datetimeFigureOut">
               <a:rPr lang="en-US" smtClean="0"/>
-              <a:t>4/2/2019</a:t>
+              <a:pPr/>
+              <a:t>4/3/2019</a:t>
             </a:fld>
             <a:endParaRPr lang="en-IN" dirty="0"/>
           </a:p>
@@ -2318,6 +2333,7 @@
           <a:p>
             <a:fld id="{EFA5B72C-9EEC-421C-AC3C-151BB4FAD0E0}" type="slidenum">
               <a:rPr lang="en-IN" smtClean="0"/>
+              <a:pPr/>
               <a:t>‹#›</a:t>
             </a:fld>
             <a:endParaRPr lang="en-IN" dirty="0"/>
@@ -2416,7 +2432,8 @@
           <a:p>
             <a:fld id="{C9CA1F5E-BA0B-43AC-8630-90DAD0A8C4FB}" type="datetimeFigureOut">
               <a:rPr lang="en-US" smtClean="0"/>
-              <a:t>4/2/2019</a:t>
+              <a:pPr/>
+              <a:t>4/3/2019</a:t>
             </a:fld>
             <a:endParaRPr lang="en-IN" dirty="0"/>
           </a:p>
@@ -2462,6 +2479,7 @@
           <a:p>
             <a:fld id="{EFA5B72C-9EEC-421C-AC3C-151BB4FAD0E0}" type="slidenum">
               <a:rPr lang="en-IN" smtClean="0"/>
+              <a:pPr/>
               <a:t>‹#›</a:t>
             </a:fld>
             <a:endParaRPr lang="en-IN" dirty="0"/>
@@ -2738,7 +2756,8 @@
           <a:p>
             <a:fld id="{C9CA1F5E-BA0B-43AC-8630-90DAD0A8C4FB}" type="datetimeFigureOut">
               <a:rPr lang="en-US" smtClean="0"/>
-              <a:t>4/2/2019</a:t>
+              <a:pPr/>
+              <a:t>4/3/2019</a:t>
             </a:fld>
             <a:endParaRPr lang="en-IN" dirty="0"/>
           </a:p>
@@ -2784,6 +2803,7 @@
           <a:p>
             <a:fld id="{EFA5B72C-9EEC-421C-AC3C-151BB4FAD0E0}" type="slidenum">
               <a:rPr lang="en-IN" smtClean="0"/>
+              <a:pPr/>
               <a:t>‹#›</a:t>
             </a:fld>
             <a:endParaRPr lang="en-IN" dirty="0"/>
@@ -2872,7 +2892,8 @@
           <a:p>
             <a:fld id="{C9CA1F5E-BA0B-43AC-8630-90DAD0A8C4FB}" type="datetimeFigureOut">
               <a:rPr lang="en-US" smtClean="0"/>
-              <a:t>4/2/2019</a:t>
+              <a:pPr/>
+              <a:t>4/3/2019</a:t>
             </a:fld>
             <a:endParaRPr lang="en-IN" dirty="0"/>
           </a:p>
@@ -2918,6 +2939,7 @@
           <a:p>
             <a:fld id="{EFA5B72C-9EEC-421C-AC3C-151BB4FAD0E0}" type="slidenum">
               <a:rPr lang="en-IN" smtClean="0"/>
+              <a:pPr/>
               <a:t>‹#›</a:t>
             </a:fld>
             <a:endParaRPr lang="en-IN" dirty="0"/>
@@ -3653,7 +3675,8 @@
           <a:p>
             <a:fld id="{C9CA1F5E-BA0B-43AC-8630-90DAD0A8C4FB}" type="datetimeFigureOut">
               <a:rPr lang="en-US" smtClean="0"/>
-              <a:t>4/2/2019</a:t>
+              <a:pPr/>
+              <a:t>4/3/2019</a:t>
             </a:fld>
             <a:endParaRPr lang="en-IN" dirty="0"/>
           </a:p>
@@ -3737,6 +3760,7 @@
           <a:p>
             <a:fld id="{EFA5B72C-9EEC-421C-AC3C-151BB4FAD0E0}" type="slidenum">
               <a:rPr lang="en-IN" smtClean="0"/>
+              <a:pPr/>
               <a:t>‹#›</a:t>
             </a:fld>
             <a:endParaRPr lang="en-IN" dirty="0"/>
@@ -4681,21 +4705,7 @@
                 <a:latin typeface="Times New Roman" pitchFamily="18" charset="0"/>
                 <a:cs typeface="Times New Roman" pitchFamily="18" charset="0"/>
               </a:rPr>
-              <a:t>@ngrx/effects           </a:t>
-            </a:r>
-            <a:r>
-              <a:rPr lang="en-US" sz="2400" dirty="0" smtClean="0">
-                <a:latin typeface="Times New Roman" pitchFamily="18" charset="0"/>
-                <a:cs typeface="Times New Roman" pitchFamily="18" charset="0"/>
-              </a:rPr>
-              <a:t> </a:t>
-            </a:r>
-            <a:r>
-              <a:rPr lang="en-US" sz="2400" dirty="0" smtClean="0">
-                <a:latin typeface="Times New Roman" pitchFamily="18" charset="0"/>
-                <a:cs typeface="Times New Roman" pitchFamily="18" charset="0"/>
-              </a:rPr>
-              <a:t> - used to handle communication 				             with a back-end server </a:t>
+              <a:t>@ngrx/effects             - used to handle communication 				             with a back-end server </a:t>
             </a:r>
           </a:p>
           <a:p>
@@ -5452,8 +5462,8 @@
         </p:nvSpPr>
         <p:spPr>
           <a:xfrm>
-            <a:off x="457200" y="785794"/>
-            <a:ext cx="8229600" cy="5340369"/>
+            <a:off x="1142976" y="785794"/>
+            <a:ext cx="7543824" cy="5340369"/>
           </a:xfrm>
         </p:spPr>
         <p:txBody>
@@ -5509,27 +5519,20 @@
                 <a:latin typeface="Times New Roman" pitchFamily="18" charset="0"/>
                 <a:cs typeface="Times New Roman" pitchFamily="18" charset="0"/>
               </a:rPr>
-              <a:t>Advantage of using Store architecture</a:t>
-            </a:r>
-            <a:r>
-              <a:rPr lang="en-US" sz="2400" b="1" dirty="0" smtClean="0">
+              <a:t>Advantage of using Store architecture	</a:t>
+            </a:r>
+          </a:p>
+          <a:p>
+            <a:pPr>
+              <a:buNone/>
+            </a:pPr>
+            <a:r>
+              <a:rPr lang="en-US" sz="2400" b="1" dirty="0">
                 <a:latin typeface="Times New Roman" pitchFamily="18" charset="0"/>
                 <a:cs typeface="Times New Roman" pitchFamily="18" charset="0"/>
               </a:rPr>
               <a:t>	</a:t>
             </a:r>
-          </a:p>
-          <a:p>
-            <a:pPr>
-              <a:buNone/>
-            </a:pPr>
-            <a:r>
-              <a:rPr lang="en-US" sz="2400" b="1" dirty="0">
-                <a:latin typeface="Times New Roman" pitchFamily="18" charset="0"/>
-                <a:cs typeface="Times New Roman" pitchFamily="18" charset="0"/>
-              </a:rPr>
-              <a:t>	</a:t>
-            </a:r>
             <a:r>
               <a:rPr lang="en-US" sz="2400" dirty="0" smtClean="0">
                 <a:latin typeface="Times New Roman" pitchFamily="18" charset="0"/>
@@ -5537,10 +5540,6 @@
               </a:rPr>
               <a:t>The UI have to update automatically by less contacting with the server</a:t>
             </a:r>
-            <a:endParaRPr lang="en-US" sz="2400" dirty="0" smtClean="0">
-              <a:latin typeface="Times New Roman" pitchFamily="18" charset="0"/>
-              <a:cs typeface="Times New Roman" pitchFamily="18" charset="0"/>
-            </a:endParaRPr>
           </a:p>
           <a:p>
             <a:pPr>
